--- a/9_deep_learning/1_deep_learning_and_computer_vision.pptx
+++ b/9_deep_learning/1_deep_learning_and_computer_vision.pptx
@@ -238,7 +238,7 @@
           <a:p>
             <a:fld id="{01CA3BAD-0020-4B82-A5BF-CC0FEE216B40}" type="datetimeFigureOut">
               <a:rPr lang="en-US" smtClean="0"/>
-              <a:t>10/10/2025</a:t>
+              <a:t>10/12/2025</a:t>
             </a:fld>
             <a:endParaRPr lang="en-US"/>
           </a:p>
@@ -1145,7 +1145,7 @@
           <a:p>
             <a:fld id="{B0543426-7D84-477A-AD72-BC2D81876924}" type="datetimeFigureOut">
               <a:rPr lang="en-US" smtClean="0"/>
-              <a:t>10/10/2025</a:t>
+              <a:t>10/12/2025</a:t>
             </a:fld>
             <a:endParaRPr lang="en-US"/>
           </a:p>
@@ -1315,7 +1315,7 @@
           <a:p>
             <a:fld id="{B0543426-7D84-477A-AD72-BC2D81876924}" type="datetimeFigureOut">
               <a:rPr lang="en-US" smtClean="0"/>
-              <a:t>10/10/2025</a:t>
+              <a:t>10/12/2025</a:t>
             </a:fld>
             <a:endParaRPr lang="en-US"/>
           </a:p>
@@ -1495,7 +1495,7 @@
           <a:p>
             <a:fld id="{B0543426-7D84-477A-AD72-BC2D81876924}" type="datetimeFigureOut">
               <a:rPr lang="en-US" smtClean="0"/>
-              <a:t>10/10/2025</a:t>
+              <a:t>10/12/2025</a:t>
             </a:fld>
             <a:endParaRPr lang="en-US"/>
           </a:p>
@@ -1665,7 +1665,7 @@
           <a:p>
             <a:fld id="{B0543426-7D84-477A-AD72-BC2D81876924}" type="datetimeFigureOut">
               <a:rPr lang="en-US" smtClean="0"/>
-              <a:t>10/10/2025</a:t>
+              <a:t>10/12/2025</a:t>
             </a:fld>
             <a:endParaRPr lang="en-US"/>
           </a:p>
@@ -1911,7 +1911,7 @@
           <a:p>
             <a:fld id="{B0543426-7D84-477A-AD72-BC2D81876924}" type="datetimeFigureOut">
               <a:rPr lang="en-US" smtClean="0"/>
-              <a:t>10/10/2025</a:t>
+              <a:t>10/12/2025</a:t>
             </a:fld>
             <a:endParaRPr lang="en-US"/>
           </a:p>
@@ -2143,7 +2143,7 @@
           <a:p>
             <a:fld id="{B0543426-7D84-477A-AD72-BC2D81876924}" type="datetimeFigureOut">
               <a:rPr lang="en-US" smtClean="0"/>
-              <a:t>10/10/2025</a:t>
+              <a:t>10/12/2025</a:t>
             </a:fld>
             <a:endParaRPr lang="en-US"/>
           </a:p>
@@ -2510,7 +2510,7 @@
           <a:p>
             <a:fld id="{B0543426-7D84-477A-AD72-BC2D81876924}" type="datetimeFigureOut">
               <a:rPr lang="en-US" smtClean="0"/>
-              <a:t>10/10/2025</a:t>
+              <a:t>10/12/2025</a:t>
             </a:fld>
             <a:endParaRPr lang="en-US"/>
           </a:p>
@@ -2628,7 +2628,7 @@
           <a:p>
             <a:fld id="{B0543426-7D84-477A-AD72-BC2D81876924}" type="datetimeFigureOut">
               <a:rPr lang="en-US" smtClean="0"/>
-              <a:t>10/10/2025</a:t>
+              <a:t>10/12/2025</a:t>
             </a:fld>
             <a:endParaRPr lang="en-US"/>
           </a:p>
@@ -2723,7 +2723,7 @@
           <a:p>
             <a:fld id="{B0543426-7D84-477A-AD72-BC2D81876924}" type="datetimeFigureOut">
               <a:rPr lang="en-US" smtClean="0"/>
-              <a:t>10/10/2025</a:t>
+              <a:t>10/12/2025</a:t>
             </a:fld>
             <a:endParaRPr lang="en-US"/>
           </a:p>
@@ -3000,7 +3000,7 @@
           <a:p>
             <a:fld id="{B0543426-7D84-477A-AD72-BC2D81876924}" type="datetimeFigureOut">
               <a:rPr lang="en-US" smtClean="0"/>
-              <a:t>10/10/2025</a:t>
+              <a:t>10/12/2025</a:t>
             </a:fld>
             <a:endParaRPr lang="en-US"/>
           </a:p>
@@ -3253,7 +3253,7 @@
           <a:p>
             <a:fld id="{B0543426-7D84-477A-AD72-BC2D81876924}" type="datetimeFigureOut">
               <a:rPr lang="en-US" smtClean="0"/>
-              <a:t>10/10/2025</a:t>
+              <a:t>10/12/2025</a:t>
             </a:fld>
             <a:endParaRPr lang="en-US"/>
           </a:p>
@@ -3466,7 +3466,7 @@
           <a:p>
             <a:fld id="{B0543426-7D84-477A-AD72-BC2D81876924}" type="datetimeFigureOut">
               <a:rPr lang="en-US" smtClean="0"/>
-              <a:t>10/10/2025</a:t>
+              <a:t>10/12/2025</a:t>
             </a:fld>
             <a:endParaRPr lang="en-US"/>
           </a:p>
@@ -4251,7 +4251,7 @@
         </p:blipFill>
         <p:spPr>
           <a:xfrm>
-            <a:off x="838200" y="2388511"/>
+            <a:off x="838200" y="2351566"/>
             <a:ext cx="9760043" cy="4141598"/>
           </a:xfrm>
           <a:prstGeom prst="rect">
@@ -5179,11 +5179,7 @@
             </a:pPr>
             <a:r>
               <a:rPr lang="en-US" b="1" dirty="0" smtClean="0"/>
-              <a:t>Binary </a:t>
-            </a:r>
-            <a:r>
-              <a:rPr lang="en-US" b="1" dirty="0" smtClean="0"/>
-              <a:t>Cross-Entropy</a:t>
+              <a:t>Binary Cross-Entropy</a:t>
             </a:r>
             <a:r>
               <a:rPr lang="en-US" dirty="0" smtClean="0"/>
@@ -5825,7 +5821,19 @@
           <a:p>
             <a:r>
               <a:rPr lang="en-US" dirty="0" smtClean="0"/>
-              <a:t>A high learning rate might cause the steps to be too large, potentially overshooting the minimum error, while a low learning rate could make the process too slow and get stuck in local minima—points where the error is lower than surrounding areas but not the absolute lowest. </a:t>
+              <a:t>A high learning rate might cause the steps to be too large, potentially overshooting the minimum error, </a:t>
+            </a:r>
+            <a:r>
+              <a:rPr lang="en-US" dirty="0" smtClean="0"/>
+              <a:t>while a low learning rate could make </a:t>
+            </a:r>
+            <a:r>
+              <a:rPr lang="en-US" dirty="0" smtClean="0"/>
+              <a:t>the </a:t>
+            </a:r>
+            <a:r>
+              <a:rPr lang="en-US" dirty="0" smtClean="0"/>
+              <a:t>process too slow and get stuck in local minima—points where the error is lower than surrounding areas but not the absolute lowest. </a:t>
             </a:r>
           </a:p>
           <a:p>
@@ -6371,7 +6379,7 @@
           <p:cNvPr id="2" name="TextBox 1">
             <a:extLst>
               <a:ext uri="{FF2B5EF4-FFF2-40B4-BE49-F238E27FC236}">
-                <a16:creationId xmlns:a16="http://schemas.microsoft.com/office/drawing/2014/main" xmlns="" id="{11ED0A47-EC7E-9AD2-4E43-64F3552C8CF5}"/>
+                <a16:creationId xmlns="" xmlns:a16="http://schemas.microsoft.com/office/drawing/2014/main" id="{11ED0A47-EC7E-9AD2-4E43-64F3552C8CF5}"/>
               </a:ext>
             </a:extLst>
           </p:cNvPr>
@@ -6487,7 +6495,7 @@
           <p:cNvPr id="3" name="Picture 2" descr="Gradient Descent vs. Backpropagation: What's the Difference?">
             <a:extLst>
               <a:ext uri="{FF2B5EF4-FFF2-40B4-BE49-F238E27FC236}">
-                <a16:creationId xmlns:a16="http://schemas.microsoft.com/office/drawing/2014/main" xmlns="" id="{511A90C0-5BCA-5345-8C05-97B56463ACA1}"/>
+                <a16:creationId xmlns="" xmlns:a16="http://schemas.microsoft.com/office/drawing/2014/main" id="{511A90C0-5BCA-5345-8C05-97B56463ACA1}"/>
               </a:ext>
             </a:extLst>
           </p:cNvPr>
@@ -6516,7 +6524,7 @@
           <p:cNvPr id="4" name="Picture 3" descr="Gradient Descent vs. Backpropagation: What's the Difference?">
             <a:extLst>
               <a:ext uri="{FF2B5EF4-FFF2-40B4-BE49-F238E27FC236}">
-                <a16:creationId xmlns:a16="http://schemas.microsoft.com/office/drawing/2014/main" xmlns="" id="{5E85DE29-8B87-0F42-12DD-292DE430DD2C}"/>
+                <a16:creationId xmlns="" xmlns:a16="http://schemas.microsoft.com/office/drawing/2014/main" id="{5E85DE29-8B87-0F42-12DD-292DE430DD2C}"/>
               </a:ext>
             </a:extLst>
           </p:cNvPr>
@@ -6603,7 +6611,7 @@
           <p:cNvPr id="3" name="TextBox 2">
             <a:extLst>
               <a:ext uri="{FF2B5EF4-FFF2-40B4-BE49-F238E27FC236}">
-                <a16:creationId xmlns:a16="http://schemas.microsoft.com/office/drawing/2014/main" xmlns="" id="{02309260-8EA2-91F9-6F1B-3B34F92E8926}"/>
+                <a16:creationId xmlns="" xmlns:a16="http://schemas.microsoft.com/office/drawing/2014/main" id="{02309260-8EA2-91F9-6F1B-3B34F92E8926}"/>
               </a:ext>
             </a:extLst>
           </p:cNvPr>
@@ -6709,7 +6717,7 @@
           <p:cNvPr id="5" name="Picture 4" descr="A diagram of a deep neural network&#10;&#10;Description automatically generated">
             <a:extLst>
               <a:ext uri="{FF2B5EF4-FFF2-40B4-BE49-F238E27FC236}">
-                <a16:creationId xmlns:a16="http://schemas.microsoft.com/office/drawing/2014/main" xmlns="" id="{5F065938-7900-83CF-DFD8-7C8B417F23E2}"/>
+                <a16:creationId xmlns="" xmlns:a16="http://schemas.microsoft.com/office/drawing/2014/main" id="{5F065938-7900-83CF-DFD8-7C8B417F23E2}"/>
               </a:ext>
             </a:extLst>
           </p:cNvPr>
@@ -6797,7 +6805,7 @@
           <p:cNvPr id="3" name="TextBox 2">
             <a:extLst>
               <a:ext uri="{FF2B5EF4-FFF2-40B4-BE49-F238E27FC236}">
-                <a16:creationId xmlns:a16="http://schemas.microsoft.com/office/drawing/2014/main" xmlns="" id="{02309260-8EA2-91F9-6F1B-3B34F92E8926}"/>
+                <a16:creationId xmlns="" xmlns:a16="http://schemas.microsoft.com/office/drawing/2014/main" id="{02309260-8EA2-91F9-6F1B-3B34F92E8926}"/>
               </a:ext>
             </a:extLst>
           </p:cNvPr>
@@ -7014,7 +7022,7 @@
           <p:cNvPr id="3" name="TextBox 2">
             <a:extLst>
               <a:ext uri="{FF2B5EF4-FFF2-40B4-BE49-F238E27FC236}">
-                <a16:creationId xmlns:a16="http://schemas.microsoft.com/office/drawing/2014/main" xmlns="" id="{02309260-8EA2-91F9-6F1B-3B34F92E8926}"/>
+                <a16:creationId xmlns="" xmlns:a16="http://schemas.microsoft.com/office/drawing/2014/main" id="{02309260-8EA2-91F9-6F1B-3B34F92E8926}"/>
               </a:ext>
             </a:extLst>
           </p:cNvPr>
@@ -7243,7 +7251,7 @@
           <p:cNvPr id="9" name="object 2">
             <a:extLst>
               <a:ext uri="{FF2B5EF4-FFF2-40B4-BE49-F238E27FC236}">
-                <a16:creationId xmlns:a16="http://schemas.microsoft.com/office/drawing/2014/main" xmlns="" id="{2FDADD92-4E39-7713-520E-D88B1D53A255}"/>
+                <a16:creationId xmlns="" xmlns:a16="http://schemas.microsoft.com/office/drawing/2014/main" id="{2FDADD92-4E39-7713-520E-D88B1D53A255}"/>
               </a:ext>
             </a:extLst>
           </p:cNvPr>
@@ -7319,7 +7327,7 @@
           <p:cNvPr id="2" name="TextBox 1">
             <a:extLst>
               <a:ext uri="{FF2B5EF4-FFF2-40B4-BE49-F238E27FC236}">
-                <a16:creationId xmlns:a16="http://schemas.microsoft.com/office/drawing/2014/main" xmlns="" id="{E401CF50-7ED4-E6A1-4F40-048F35EC4155}"/>
+                <a16:creationId xmlns="" xmlns:a16="http://schemas.microsoft.com/office/drawing/2014/main" id="{E401CF50-7ED4-E6A1-4F40-048F35EC4155}"/>
               </a:ext>
             </a:extLst>
           </p:cNvPr>
@@ -8890,7 +8898,7 @@
           <p:cNvPr id="9" name="object 2">
             <a:extLst>
               <a:ext uri="{FF2B5EF4-FFF2-40B4-BE49-F238E27FC236}">
-                <a16:creationId xmlns:a16="http://schemas.microsoft.com/office/drawing/2014/main" xmlns="" id="{2FDADD92-4E39-7713-520E-D88B1D53A255}"/>
+                <a16:creationId xmlns="" xmlns:a16="http://schemas.microsoft.com/office/drawing/2014/main" id="{2FDADD92-4E39-7713-520E-D88B1D53A255}"/>
               </a:ext>
             </a:extLst>
           </p:cNvPr>
@@ -8966,7 +8974,7 @@
           <p:cNvPr id="2" name="TextBox 1">
             <a:extLst>
               <a:ext uri="{FF2B5EF4-FFF2-40B4-BE49-F238E27FC236}">
-                <a16:creationId xmlns:a16="http://schemas.microsoft.com/office/drawing/2014/main" xmlns="" id="{E401CF50-7ED4-E6A1-4F40-048F35EC4155}"/>
+                <a16:creationId xmlns="" xmlns:a16="http://schemas.microsoft.com/office/drawing/2014/main" id="{E401CF50-7ED4-E6A1-4F40-048F35EC4155}"/>
               </a:ext>
             </a:extLst>
           </p:cNvPr>
@@ -9066,7 +9074,7 @@
           <p:cNvPr id="3" name="Picture 2" descr="A diagram of a neuron&#10;&#10;Description automatically generated">
             <a:extLst>
               <a:ext uri="{FF2B5EF4-FFF2-40B4-BE49-F238E27FC236}">
-                <a16:creationId xmlns:a16="http://schemas.microsoft.com/office/drawing/2014/main" xmlns="" id="{7F792854-7C8B-30BC-C1F6-29ED913E444D}"/>
+                <a16:creationId xmlns="" xmlns:a16="http://schemas.microsoft.com/office/drawing/2014/main" id="{7F792854-7C8B-30BC-C1F6-29ED913E444D}"/>
               </a:ext>
             </a:extLst>
           </p:cNvPr>
@@ -10136,7 +10144,7 @@
           <p:cNvPr id="4" name="Picture 3" descr="Weights and Bias in a Neural Network | Towards Data Science">
             <a:extLst>
               <a:ext uri="{FF2B5EF4-FFF2-40B4-BE49-F238E27FC236}">
-                <a16:creationId xmlns:a16="http://schemas.microsoft.com/office/drawing/2014/main" xmlns="" id="{C8B55B32-6015-9DBA-EA54-362A490DF0E5}"/>
+                <a16:creationId xmlns="" xmlns:a16="http://schemas.microsoft.com/office/drawing/2014/main" id="{C8B55B32-6015-9DBA-EA54-362A490DF0E5}"/>
               </a:ext>
             </a:extLst>
           </p:cNvPr>
